--- a/naan mudhalvan project.pptx
+++ b/naan mudhalvan project.pptx
@@ -5,7 +5,7 @@
     <p:sldMasterId id="2147483775" r:id="rId4"/>
   </p:sldMasterIdLst>
   <p:notesMasterIdLst>
-    <p:notesMasterId r:id="rId21"/>
+    <p:notesMasterId r:id="rId23"/>
   </p:notesMasterIdLst>
   <p:sldIdLst>
     <p:sldId id="256" r:id="rId5"/>
@@ -19,11 +19,13 @@
     <p:sldId id="265" r:id="rId13"/>
     <p:sldId id="266" r:id="rId14"/>
     <p:sldId id="2146847060" r:id="rId15"/>
-    <p:sldId id="267" r:id="rId16"/>
-    <p:sldId id="268" r:id="rId17"/>
-    <p:sldId id="2146847055" r:id="rId18"/>
-    <p:sldId id="269" r:id="rId19"/>
-    <p:sldId id="259" r:id="rId20"/>
+    <p:sldId id="2146847061" r:id="rId16"/>
+    <p:sldId id="2146847062" r:id="rId17"/>
+    <p:sldId id="267" r:id="rId18"/>
+    <p:sldId id="268" r:id="rId19"/>
+    <p:sldId id="2146847055" r:id="rId20"/>
+    <p:sldId id="269" r:id="rId21"/>
+    <p:sldId id="259" r:id="rId22"/>
   </p:sldIdLst>
   <p:sldSz cx="12192000" cy="6858000"/>
   <p:notesSz cx="6858000" cy="9144000"/>
@@ -124,7 +126,7 @@
   </p:defaultTextStyle>
   <p:extLst>
     <p:ext uri="{EFAFB233-063F-42B5-8137-9DF3F51BA10A}">
-      <p15:sldGuideLst xmlns:p15="http://schemas.microsoft.com/office/powerpoint/2012/main" xmlns=""/>
+      <p15:sldGuideLst xmlns="" xmlns:p15="http://schemas.microsoft.com/office/powerpoint/2012/main"/>
     </p:ext>
   </p:extLst>
 </p:presentation>
@@ -620,7 +622,7 @@
     </p:spTree>
     <p:extLst>
       <p:ext uri="{BB962C8B-B14F-4D97-AF65-F5344CB8AC3E}">
-        <p14:creationId xmlns:p14="http://schemas.microsoft.com/office/powerpoint/2010/main" xmlns="" val="538008421"/>
+        <p14:creationId xmlns="" xmlns:p14="http://schemas.microsoft.com/office/powerpoint/2010/main" val="538008421"/>
       </p:ext>
     </p:extLst>
   </p:cSld>
@@ -5336,7 +5338,7 @@
           <p:cNvPr id="15" name="Picture 14" descr="Logo&#10;&#10;Description automatically generated">
             <a:extLst>
               <a:ext uri="{FF2B5EF4-FFF2-40B4-BE49-F238E27FC236}">
-                <a16:creationId xmlns:a16="http://schemas.microsoft.com/office/drawing/2014/main" xmlns="" id="{14A64E4D-8DED-7830-2955-1BE78C5B0655}"/>
+                <a16:creationId xmlns="" xmlns:a16="http://schemas.microsoft.com/office/drawing/2014/main" id="{14A64E4D-8DED-7830-2955-1BE78C5B0655}"/>
               </a:ext>
             </a:extLst>
           </p:cNvPr>
@@ -5690,7 +5692,7 @@
           <p:cNvPr id="2" name="Title 1">
             <a:extLst>
               <a:ext uri="{FF2B5EF4-FFF2-40B4-BE49-F238E27FC236}">
-                <a16:creationId xmlns:a16="http://schemas.microsoft.com/office/drawing/2014/main" xmlns="" id="{A8A11E26-4C38-41A6-9857-11032CEECD80}"/>
+                <a16:creationId xmlns="" xmlns:a16="http://schemas.microsoft.com/office/drawing/2014/main" id="{A8A11E26-4C38-41A6-9857-11032CEECD80}"/>
               </a:ext>
             </a:extLst>
           </p:cNvPr>
@@ -5722,47 +5724,7 @@
                 <a:latin typeface="Arial" panose="020B0604020202020204" pitchFamily="34" charset="0"/>
                 <a:cs typeface="Arial" panose="020B0604020202020204" pitchFamily="34" charset="0"/>
               </a:rPr>
-              <a:t>Key </a:t>
-            </a:r>
-            <a:r>
-              <a:rPr lang="en-US" sz="4400" dirty="0" smtClean="0">
-                <a:solidFill>
-                  <a:srgbClr val="FF0000"/>
-                </a:solidFill>
-                <a:latin typeface="Arial" panose="020B0604020202020204" pitchFamily="34" charset="0"/>
-                <a:cs typeface="Arial" panose="020B0604020202020204" pitchFamily="34" charset="0"/>
-              </a:rPr>
-              <a:t>L</a:t>
-            </a:r>
-            <a:r>
-              <a:rPr lang="en-US" sz="4400" dirty="0" smtClean="0">
-                <a:solidFill>
-                  <a:srgbClr val="FF0000"/>
-                </a:solidFill>
-                <a:latin typeface="Arial" panose="020B0604020202020204" pitchFamily="34" charset="0"/>
-                <a:cs typeface="Arial" panose="020B0604020202020204" pitchFamily="34" charset="0"/>
-              </a:rPr>
-              <a:t>ogger </a:t>
-            </a:r>
-            <a:r>
-              <a:rPr lang="en-US" sz="4400" dirty="0" smtClean="0">
-                <a:solidFill>
-                  <a:srgbClr val="FF0000"/>
-                </a:solidFill>
-                <a:latin typeface="Arial" panose="020B0604020202020204" pitchFamily="34" charset="0"/>
-                <a:cs typeface="Arial" panose="020B0604020202020204" pitchFamily="34" charset="0"/>
-              </a:rPr>
-              <a:t>A</a:t>
-            </a:r>
-            <a:r>
-              <a:rPr lang="en-US" sz="4400" dirty="0" smtClean="0">
-                <a:solidFill>
-                  <a:srgbClr val="FF0000"/>
-                </a:solidFill>
-                <a:latin typeface="Arial" panose="020B0604020202020204" pitchFamily="34" charset="0"/>
-                <a:cs typeface="Arial" panose="020B0604020202020204" pitchFamily="34" charset="0"/>
-              </a:rPr>
-              <a:t>nd Security</a:t>
+              <a:t>Key Logger And Security</a:t>
             </a:r>
             <a:endParaRPr lang="en-US" sz="4400" b="1" dirty="0">
               <a:solidFill>
@@ -5911,7 +5873,7 @@
     </p:spTree>
     <p:extLst>
       <p:ext uri="{BB962C8B-B14F-4D97-AF65-F5344CB8AC3E}">
-        <p14:creationId xmlns:p14="http://schemas.microsoft.com/office/powerpoint/2010/main" xmlns="" val="953325580"/>
+        <p14:creationId xmlns="" xmlns:p14="http://schemas.microsoft.com/office/powerpoint/2010/main" val="953325580"/>
       </p:ext>
     </p:extLst>
   </p:cSld>
@@ -5943,7 +5905,7 @@
           <p:cNvPr id="5" name="Title 4">
             <a:extLst>
               <a:ext uri="{FF2B5EF4-FFF2-40B4-BE49-F238E27FC236}">
-                <a16:creationId xmlns:a16="http://schemas.microsoft.com/office/drawing/2014/main" xmlns="" id="{8FBA75B4-2DD5-42EB-9397-F36BFB8BA723}"/>
+                <a16:creationId xmlns="" xmlns:a16="http://schemas.microsoft.com/office/drawing/2014/main" id="{8FBA75B4-2DD5-42EB-9397-F36BFB8BA723}"/>
               </a:ext>
             </a:extLst>
           </p:cNvPr>
@@ -5985,7 +5947,7 @@
           <p:cNvPr id="2" name="Content Placeholder 1">
             <a:extLst>
               <a:ext uri="{FF2B5EF4-FFF2-40B4-BE49-F238E27FC236}">
-                <a16:creationId xmlns:a16="http://schemas.microsoft.com/office/drawing/2014/main" xmlns="" id="{F7F0871F-2198-9E37-C96F-3611AA199B60}"/>
+                <a16:creationId xmlns="" xmlns:a16="http://schemas.microsoft.com/office/drawing/2014/main" id="{F7F0871F-2198-9E37-C96F-3611AA199B60}"/>
               </a:ext>
             </a:extLst>
           </p:cNvPr>
@@ -6020,11 +5982,7 @@
           <a:p>
             <a:r>
               <a:rPr lang="en-US" dirty="0" smtClean="0"/>
-              <a:t>Install </a:t>
-            </a:r>
-            <a:r>
-              <a:rPr lang="en-US" dirty="0" smtClean="0"/>
-              <a:t>and update reliable antivirus and anti-malware software on all computers.</a:t>
+              <a:t>Install and update reliable antivirus and anti-malware software on all computers.</a:t>
             </a:r>
           </a:p>
           <a:p>
@@ -6092,7 +6050,7 @@
     </p:spTree>
     <p:extLst>
       <p:ext uri="{BB962C8B-B14F-4D97-AF65-F5344CB8AC3E}">
-        <p14:creationId xmlns:p14="http://schemas.microsoft.com/office/powerpoint/2010/main" xmlns="" val="4154508776"/>
+        <p14:creationId xmlns="" xmlns:p14="http://schemas.microsoft.com/office/powerpoint/2010/main" val="4154508776"/>
       </p:ext>
     </p:extLst>
   </p:cSld>
@@ -6204,11 +6162,7 @@
             </a:pPr>
             <a:r>
               <a:rPr lang="en-US" sz="2000" dirty="0" smtClean="0"/>
-              <a:t>Establish </a:t>
-            </a:r>
-            <a:r>
-              <a:rPr lang="en-US" sz="2000" dirty="0" smtClean="0"/>
-              <a:t>a patch management process to ensure regular updates of the operating systems and software applications.</a:t>
+              <a:t>Establish a patch management process to ensure regular updates of the operating systems and software applications.</a:t>
             </a:r>
           </a:p>
           <a:p>
@@ -6315,13 +6269,7 @@
       </p:grpSpPr>
       <p:sp>
         <p:nvSpPr>
-          <p:cNvPr id="5" name="Title 4">
-            <a:extLst>
-              <a:ext uri="{FF2B5EF4-FFF2-40B4-BE49-F238E27FC236}">
-                <a16:creationId xmlns:a16="http://schemas.microsoft.com/office/drawing/2014/main" xmlns="" id="{8FBA75B4-2DD5-42EB-9397-F36BFB8BA723}"/>
-              </a:ext>
-            </a:extLst>
-          </p:cNvPr>
+          <p:cNvPr id="2" name="Title 1"/>
           <p:cNvSpPr>
             <a:spLocks noGrp="1"/>
           </p:cNvSpPr>
@@ -6329,7 +6277,12 @@
             <p:ph type="title"/>
           </p:nvPr>
         </p:nvSpPr>
-        <p:spPr/>
+        <p:spPr>
+          <a:xfrm>
+            <a:off x="266700" y="0"/>
+            <a:ext cx="9747250" cy="846138"/>
+          </a:xfrm>
+        </p:spPr>
         <p:txBody>
           <a:bodyPr>
             <a:normAutofit/>
@@ -6337,17 +6290,14 @@
           <a:lstStyle/>
           <a:p>
             <a:r>
-              <a:rPr lang="en-US" sz="4400" b="1" dirty="0">
+              <a:rPr lang="en-US" sz="4000" dirty="0" smtClean="0">
                 <a:solidFill>
                   <a:srgbClr val="0070C0"/>
                 </a:solidFill>
-                <a:latin typeface="Arial"/>
-                <a:ea typeface="+mj-lt"/>
-                <a:cs typeface="Arial"/>
               </a:rPr>
-              <a:t>Result</a:t>
-            </a:r>
-            <a:endParaRPr lang="en-US" dirty="0">
+              <a:t>Program &amp; deploy</a:t>
+            </a:r>
+            <a:endParaRPr lang="en-US" sz="4000" dirty="0">
               <a:solidFill>
                 <a:srgbClr val="0070C0"/>
               </a:solidFill>
@@ -6355,67 +6305,55 @@
           </a:p>
         </p:txBody>
       </p:sp>
-      <p:sp>
-        <p:nvSpPr>
-          <p:cNvPr id="2" name="Content Placeholder 1">
-            <a:extLst>
-              <a:ext uri="{FF2B5EF4-FFF2-40B4-BE49-F238E27FC236}">
-                <a16:creationId xmlns:a16="http://schemas.microsoft.com/office/drawing/2014/main" xmlns="" id="{D3304455-6802-6CA9-8475-2F6DD1B8D409}"/>
-              </a:ext>
-            </a:extLst>
-          </p:cNvPr>
-          <p:cNvSpPr>
-            <a:spLocks noGrp="1"/>
-          </p:cNvSpPr>
-          <p:nvPr>
-            <p:ph sz="quarter" idx="1"/>
-          </p:nvPr>
-        </p:nvSpPr>
+      <p:pic>
+        <p:nvPicPr>
+          <p:cNvPr id="3" name="Picture 2" descr="1.png"/>
+          <p:cNvPicPr>
+            <a:picLocks noChangeAspect="1"/>
+          </p:cNvPicPr>
+          <p:nvPr/>
+        </p:nvPicPr>
+        <p:blipFill>
+          <a:blip r:embed="rId2"/>
+          <a:stretch>
+            <a:fillRect/>
+          </a:stretch>
+        </p:blipFill>
         <p:spPr>
           <a:xfrm>
-            <a:off x="990600" y="1752600"/>
-            <a:ext cx="9956800" cy="2514600"/>
-          </a:xfrm>
-        </p:spPr>
-        <p:txBody>
-          <a:bodyPr>
-            <a:normAutofit/>
-          </a:bodyPr>
-          <a:lstStyle/>
-          <a:p>
-            <a:pPr marL="0" indent="0">
-              <a:buNone/>
-            </a:pPr>
-            <a:r>
-              <a:rPr lang="en-US" sz="2800" dirty="0" smtClean="0"/>
-              <a:t>Implementing robust antivirus/anti-malware software, regular updates, user awareness training, two-factor authentication, VPN usage, and monitoring systems can significantly reduce the risk of </a:t>
-            </a:r>
-            <a:r>
-              <a:rPr lang="en-US" sz="2800" dirty="0" err="1" smtClean="0"/>
-              <a:t>keyloggers</a:t>
-            </a:r>
-            <a:r>
-              <a:rPr lang="en-US" sz="2800" dirty="0" smtClean="0"/>
-              <a:t> and enhance overall </a:t>
-            </a:r>
-            <a:r>
-              <a:rPr lang="en-US" sz="2800" dirty="0" err="1" smtClean="0"/>
-              <a:t>cybersecurity</a:t>
-            </a:r>
-            <a:r>
-              <a:rPr lang="en-US" dirty="0" smtClean="0"/>
-              <a:t>.</a:t>
-            </a:r>
-            <a:endParaRPr lang="en-IN" sz="2400" dirty="0"/>
-          </a:p>
-        </p:txBody>
-      </p:sp>
+            <a:off x="433387" y="914399"/>
+            <a:ext cx="4633913" cy="5419725"/>
+          </a:xfrm>
+          <a:prstGeom prst="rect">
+            <a:avLst/>
+          </a:prstGeom>
+        </p:spPr>
+      </p:pic>
+      <p:pic>
+        <p:nvPicPr>
+          <p:cNvPr id="4" name="Picture 3" descr="2.png"/>
+          <p:cNvPicPr>
+            <a:picLocks noChangeAspect="1"/>
+          </p:cNvPicPr>
+          <p:nvPr/>
+        </p:nvPicPr>
+        <p:blipFill>
+          <a:blip r:embed="rId3"/>
+          <a:stretch>
+            <a:fillRect/>
+          </a:stretch>
+        </p:blipFill>
+        <p:spPr>
+          <a:xfrm>
+            <a:off x="6153150" y="509587"/>
+            <a:ext cx="5424487" cy="5953125"/>
+          </a:xfrm>
+          <a:prstGeom prst="rect">
+            <a:avLst/>
+          </a:prstGeom>
+        </p:spPr>
+      </p:pic>
     </p:spTree>
-    <p:extLst>
-      <p:ext uri="{BB962C8B-B14F-4D97-AF65-F5344CB8AC3E}">
-        <p14:creationId xmlns:p14="http://schemas.microsoft.com/office/powerpoint/2010/main" xmlns="" val="1483293388"/>
-      </p:ext>
-    </p:extLst>
   </p:cSld>
   <p:clrMapOvr>
     <a:masterClrMapping/>
@@ -6442,13 +6380,7 @@
       </p:grpSpPr>
       <p:sp>
         <p:nvSpPr>
-          <p:cNvPr id="5" name="Title 4">
-            <a:extLst>
-              <a:ext uri="{FF2B5EF4-FFF2-40B4-BE49-F238E27FC236}">
-                <a16:creationId xmlns:a16="http://schemas.microsoft.com/office/drawing/2014/main" xmlns="" id="{8FBA75B4-2DD5-42EB-9397-F36BFB8BA723}"/>
-              </a:ext>
-            </a:extLst>
-          </p:cNvPr>
+          <p:cNvPr id="2" name="Title 1"/>
           <p:cNvSpPr>
             <a:spLocks noGrp="1"/>
           </p:cNvSpPr>
@@ -6456,7 +6388,12 @@
             <p:ph type="title"/>
           </p:nvPr>
         </p:nvSpPr>
-        <p:spPr/>
+        <p:spPr>
+          <a:xfrm>
+            <a:off x="323850" y="323850"/>
+            <a:ext cx="9690100" cy="750888"/>
+          </a:xfrm>
+        </p:spPr>
         <p:txBody>
           <a:bodyPr>
             <a:normAutofit/>
@@ -6464,17 +6401,14 @@
           <a:lstStyle/>
           <a:p>
             <a:r>
-              <a:rPr lang="en-US" sz="4400" b="1" dirty="0">
+              <a:rPr lang="en-US" sz="3600" dirty="0" smtClean="0">
                 <a:solidFill>
                   <a:srgbClr val="0070C0"/>
                 </a:solidFill>
-                <a:latin typeface="Arial"/>
-                <a:ea typeface="+mj-lt"/>
-                <a:cs typeface="Arial"/>
               </a:rPr>
-              <a:t>Conclusion</a:t>
-            </a:r>
-            <a:endParaRPr lang="en-US" dirty="0">
+              <a:t>RESULT</a:t>
+            </a:r>
+            <a:endParaRPr lang="en-US" sz="3600" dirty="0">
               <a:solidFill>
                 <a:srgbClr val="0070C0"/>
               </a:solidFill>
@@ -6482,69 +6416,55 @@
           </a:p>
         </p:txBody>
       </p:sp>
-      <p:sp>
-        <p:nvSpPr>
-          <p:cNvPr id="2" name="Content Placeholder 1">
-            <a:extLst>
-              <a:ext uri="{FF2B5EF4-FFF2-40B4-BE49-F238E27FC236}">
-                <a16:creationId xmlns:a16="http://schemas.microsoft.com/office/drawing/2014/main" xmlns="" id="{005E46AB-32C4-4B57-A2B1-50738A64BE1B}"/>
-              </a:ext>
-            </a:extLst>
-          </p:cNvPr>
-          <p:cNvSpPr>
-            <a:spLocks noGrp="1"/>
-          </p:cNvSpPr>
-          <p:nvPr>
-            <p:ph sz="quarter" idx="1"/>
-          </p:nvPr>
-        </p:nvSpPr>
+      <p:pic>
+        <p:nvPicPr>
+          <p:cNvPr id="3" name="Picture 2" descr="3.png"/>
+          <p:cNvPicPr>
+            <a:picLocks noChangeAspect="1"/>
+          </p:cNvPicPr>
+          <p:nvPr/>
+        </p:nvPicPr>
+        <p:blipFill>
+          <a:blip r:embed="rId2"/>
+          <a:stretch>
+            <a:fillRect/>
+          </a:stretch>
+        </p:blipFill>
         <p:spPr>
           <a:xfrm>
-            <a:off x="838200" y="2095500"/>
-            <a:ext cx="9956800" cy="2838450"/>
-          </a:xfrm>
-        </p:spPr>
-        <p:txBody>
-          <a:bodyPr>
-            <a:normAutofit/>
-          </a:bodyPr>
-          <a:lstStyle/>
-          <a:p>
-            <a:pPr marL="305435" indent="-305435"/>
-            <a:r>
-              <a:rPr lang="en-US" sz="2800" dirty="0" smtClean="0"/>
-              <a:t>Summarize by </a:t>
-            </a:r>
-            <a:r>
-              <a:rPr lang="en-US" sz="2800" dirty="0" smtClean="0"/>
-              <a:t>implementing a comprehensive approach including robust security measures, user awareness training, and proactive monitoring, the risk of </a:t>
-            </a:r>
-            <a:r>
-              <a:rPr lang="en-US" sz="2800" dirty="0" err="1" smtClean="0"/>
-              <a:t>keyloggers</a:t>
-            </a:r>
-            <a:r>
-              <a:rPr lang="en-US" sz="2800" dirty="0" smtClean="0"/>
-              <a:t> compromising systems and sensitive information can be significantly reduced, enhancing overall </a:t>
-            </a:r>
-            <a:r>
-              <a:rPr lang="en-US" sz="2800" dirty="0" err="1" smtClean="0"/>
-              <a:t>cybersecurity</a:t>
-            </a:r>
-            <a:r>
-              <a:rPr lang="en-US" sz="2800" dirty="0" smtClean="0"/>
-              <a:t>.</a:t>
-            </a:r>
-            <a:endParaRPr lang="en-IN" sz="2800" b="1" dirty="0"/>
-          </a:p>
-        </p:txBody>
-      </p:sp>
+            <a:off x="1" y="1333499"/>
+            <a:ext cx="5295900" cy="4191001"/>
+          </a:xfrm>
+          <a:prstGeom prst="rect">
+            <a:avLst/>
+          </a:prstGeom>
+        </p:spPr>
+      </p:pic>
+      <p:pic>
+        <p:nvPicPr>
+          <p:cNvPr id="4" name="Picture 3" descr="4.png"/>
+          <p:cNvPicPr>
+            <a:picLocks noChangeAspect="1"/>
+          </p:cNvPicPr>
+          <p:nvPr/>
+        </p:nvPicPr>
+        <p:blipFill>
+          <a:blip r:embed="rId3"/>
+          <a:stretch>
+            <a:fillRect/>
+          </a:stretch>
+        </p:blipFill>
+        <p:spPr>
+          <a:xfrm>
+            <a:off x="5410199" y="1123951"/>
+            <a:ext cx="5962651" cy="4953000"/>
+          </a:xfrm>
+          <a:prstGeom prst="rect">
+            <a:avLst/>
+          </a:prstGeom>
+        </p:spPr>
+      </p:pic>
     </p:spTree>
-    <p:extLst>
-      <p:ext uri="{BB962C8B-B14F-4D97-AF65-F5344CB8AC3E}">
-        <p14:creationId xmlns:p14="http://schemas.microsoft.com/office/powerpoint/2010/main" xmlns="" val="3183315129"/>
-      </p:ext>
-    </p:extLst>
   </p:cSld>
   <p:clrMapOvr>
     <a:masterClrMapping/>
@@ -6571,10 +6491,262 @@
       </p:grpSpPr>
       <p:sp>
         <p:nvSpPr>
+          <p:cNvPr id="5" name="Title 4">
+            <a:extLst>
+              <a:ext uri="{FF2B5EF4-FFF2-40B4-BE49-F238E27FC236}">
+                <a16:creationId xmlns="" xmlns:a16="http://schemas.microsoft.com/office/drawing/2014/main" id="{8FBA75B4-2DD5-42EB-9397-F36BFB8BA723}"/>
+              </a:ext>
+            </a:extLst>
+          </p:cNvPr>
+          <p:cNvSpPr>
+            <a:spLocks noGrp="1"/>
+          </p:cNvSpPr>
+          <p:nvPr>
+            <p:ph type="title"/>
+          </p:nvPr>
+        </p:nvSpPr>
+        <p:spPr/>
+        <p:txBody>
+          <a:bodyPr>
+            <a:normAutofit/>
+          </a:bodyPr>
+          <a:lstStyle/>
+          <a:p>
+            <a:r>
+              <a:rPr lang="en-US" sz="4400" b="1" dirty="0">
+                <a:solidFill>
+                  <a:srgbClr val="0070C0"/>
+                </a:solidFill>
+                <a:latin typeface="Arial"/>
+                <a:ea typeface="+mj-lt"/>
+                <a:cs typeface="Arial"/>
+              </a:rPr>
+              <a:t>Result</a:t>
+            </a:r>
+            <a:endParaRPr lang="en-US" dirty="0">
+              <a:solidFill>
+                <a:srgbClr val="0070C0"/>
+              </a:solidFill>
+            </a:endParaRPr>
+          </a:p>
+        </p:txBody>
+      </p:sp>
+      <p:sp>
+        <p:nvSpPr>
+          <p:cNvPr id="2" name="Content Placeholder 1">
+            <a:extLst>
+              <a:ext uri="{FF2B5EF4-FFF2-40B4-BE49-F238E27FC236}">
+                <a16:creationId xmlns="" xmlns:a16="http://schemas.microsoft.com/office/drawing/2014/main" id="{D3304455-6802-6CA9-8475-2F6DD1B8D409}"/>
+              </a:ext>
+            </a:extLst>
+          </p:cNvPr>
+          <p:cNvSpPr>
+            <a:spLocks noGrp="1"/>
+          </p:cNvSpPr>
+          <p:nvPr>
+            <p:ph sz="quarter" idx="1"/>
+          </p:nvPr>
+        </p:nvSpPr>
+        <p:spPr>
+          <a:xfrm>
+            <a:off x="990600" y="1752600"/>
+            <a:ext cx="9956800" cy="2514600"/>
+          </a:xfrm>
+        </p:spPr>
+        <p:txBody>
+          <a:bodyPr>
+            <a:normAutofit/>
+          </a:bodyPr>
+          <a:lstStyle/>
+          <a:p>
+            <a:pPr marL="0" indent="0">
+              <a:buNone/>
+            </a:pPr>
+            <a:r>
+              <a:rPr lang="en-US" sz="2800" dirty="0" smtClean="0"/>
+              <a:t>Implementing robust antivirus/anti-malware software, regular updates, user awareness training, two-factor authentication, VPN usage, and monitoring systems can significantly reduce the risk of </a:t>
+            </a:r>
+            <a:r>
+              <a:rPr lang="en-US" sz="2800" dirty="0" err="1" smtClean="0"/>
+              <a:t>keyloggers</a:t>
+            </a:r>
+            <a:r>
+              <a:rPr lang="en-US" sz="2800" dirty="0" smtClean="0"/>
+              <a:t> and enhance overall </a:t>
+            </a:r>
+            <a:r>
+              <a:rPr lang="en-US" sz="2800" dirty="0" err="1" smtClean="0"/>
+              <a:t>cybersecurity</a:t>
+            </a:r>
+            <a:r>
+              <a:rPr lang="en-US" dirty="0" smtClean="0"/>
+              <a:t>.</a:t>
+            </a:r>
+            <a:endParaRPr lang="en-IN" sz="2400" dirty="0"/>
+          </a:p>
+        </p:txBody>
+      </p:sp>
+    </p:spTree>
+    <p:extLst>
+      <p:ext uri="{BB962C8B-B14F-4D97-AF65-F5344CB8AC3E}">
+        <p14:creationId xmlns="" xmlns:p14="http://schemas.microsoft.com/office/powerpoint/2010/main" val="1483293388"/>
+      </p:ext>
+    </p:extLst>
+  </p:cSld>
+  <p:clrMapOvr>
+    <a:masterClrMapping/>
+  </p:clrMapOvr>
+</p:sld>
+</file>
+
+<file path=ppt/slides/slide15.xml><?xml version="1.0" encoding="utf-8"?>
+<p:sld xmlns:a="http://schemas.openxmlformats.org/drawingml/2006/main" xmlns:r="http://schemas.openxmlformats.org/officeDocument/2006/relationships" xmlns:p="http://schemas.openxmlformats.org/presentationml/2006/main">
+  <p:cSld>
+    <p:spTree>
+      <p:nvGrpSpPr>
+        <p:cNvPr id="1" name=""/>
+        <p:cNvGrpSpPr/>
+        <p:nvPr/>
+      </p:nvGrpSpPr>
+      <p:grpSpPr>
+        <a:xfrm>
+          <a:off x="0" y="0"/>
+          <a:ext cx="0" cy="0"/>
+          <a:chOff x="0" y="0"/>
+          <a:chExt cx="0" cy="0"/>
+        </a:xfrm>
+      </p:grpSpPr>
+      <p:sp>
+        <p:nvSpPr>
+          <p:cNvPr id="5" name="Title 4">
+            <a:extLst>
+              <a:ext uri="{FF2B5EF4-FFF2-40B4-BE49-F238E27FC236}">
+                <a16:creationId xmlns="" xmlns:a16="http://schemas.microsoft.com/office/drawing/2014/main" id="{8FBA75B4-2DD5-42EB-9397-F36BFB8BA723}"/>
+              </a:ext>
+            </a:extLst>
+          </p:cNvPr>
+          <p:cNvSpPr>
+            <a:spLocks noGrp="1"/>
+          </p:cNvSpPr>
+          <p:nvPr>
+            <p:ph type="title"/>
+          </p:nvPr>
+        </p:nvSpPr>
+        <p:spPr/>
+        <p:txBody>
+          <a:bodyPr>
+            <a:normAutofit/>
+          </a:bodyPr>
+          <a:lstStyle/>
+          <a:p>
+            <a:r>
+              <a:rPr lang="en-US" sz="4400" b="1" dirty="0">
+                <a:solidFill>
+                  <a:srgbClr val="0070C0"/>
+                </a:solidFill>
+                <a:latin typeface="Arial"/>
+                <a:ea typeface="+mj-lt"/>
+                <a:cs typeface="Arial"/>
+              </a:rPr>
+              <a:t>Conclusion</a:t>
+            </a:r>
+            <a:endParaRPr lang="en-US" dirty="0">
+              <a:solidFill>
+                <a:srgbClr val="0070C0"/>
+              </a:solidFill>
+            </a:endParaRPr>
+          </a:p>
+        </p:txBody>
+      </p:sp>
+      <p:sp>
+        <p:nvSpPr>
+          <p:cNvPr id="2" name="Content Placeholder 1">
+            <a:extLst>
+              <a:ext uri="{FF2B5EF4-FFF2-40B4-BE49-F238E27FC236}">
+                <a16:creationId xmlns="" xmlns:a16="http://schemas.microsoft.com/office/drawing/2014/main" id="{005E46AB-32C4-4B57-A2B1-50738A64BE1B}"/>
+              </a:ext>
+            </a:extLst>
+          </p:cNvPr>
+          <p:cNvSpPr>
+            <a:spLocks noGrp="1"/>
+          </p:cNvSpPr>
+          <p:nvPr>
+            <p:ph sz="quarter" idx="1"/>
+          </p:nvPr>
+        </p:nvSpPr>
+        <p:spPr>
+          <a:xfrm>
+            <a:off x="838200" y="2095500"/>
+            <a:ext cx="9956800" cy="2838450"/>
+          </a:xfrm>
+        </p:spPr>
+        <p:txBody>
+          <a:bodyPr>
+            <a:normAutofit/>
+          </a:bodyPr>
+          <a:lstStyle/>
+          <a:p>
+            <a:pPr marL="305435" indent="-305435"/>
+            <a:r>
+              <a:rPr lang="en-US" sz="2800" dirty="0" smtClean="0"/>
+              <a:t>Summarize by implementing a comprehensive approach including robust security measures, user awareness training, and proactive monitoring, the risk of </a:t>
+            </a:r>
+            <a:r>
+              <a:rPr lang="en-US" sz="2800" dirty="0" err="1" smtClean="0"/>
+              <a:t>keyloggers</a:t>
+            </a:r>
+            <a:r>
+              <a:rPr lang="en-US" sz="2800" dirty="0" smtClean="0"/>
+              <a:t> compromising systems and sensitive information can be significantly reduced, enhancing overall </a:t>
+            </a:r>
+            <a:r>
+              <a:rPr lang="en-US" sz="2800" dirty="0" err="1" smtClean="0"/>
+              <a:t>cybersecurity</a:t>
+            </a:r>
+            <a:r>
+              <a:rPr lang="en-US" sz="2800" dirty="0" smtClean="0"/>
+              <a:t>.</a:t>
+            </a:r>
+            <a:endParaRPr lang="en-IN" sz="2800" b="1" dirty="0"/>
+          </a:p>
+        </p:txBody>
+      </p:sp>
+    </p:spTree>
+    <p:extLst>
+      <p:ext uri="{BB962C8B-B14F-4D97-AF65-F5344CB8AC3E}">
+        <p14:creationId xmlns="" xmlns:p14="http://schemas.microsoft.com/office/powerpoint/2010/main" val="3183315129"/>
+      </p:ext>
+    </p:extLst>
+  </p:cSld>
+  <p:clrMapOvr>
+    <a:masterClrMapping/>
+  </p:clrMapOvr>
+</p:sld>
+</file>
+
+<file path=ppt/slides/slide16.xml><?xml version="1.0" encoding="utf-8"?>
+<p:sld xmlns:a="http://schemas.openxmlformats.org/drawingml/2006/main" xmlns:r="http://schemas.openxmlformats.org/officeDocument/2006/relationships" xmlns:p="http://schemas.openxmlformats.org/presentationml/2006/main">
+  <p:cSld>
+    <p:spTree>
+      <p:nvGrpSpPr>
+        <p:cNvPr id="1" name=""/>
+        <p:cNvGrpSpPr/>
+        <p:nvPr/>
+      </p:nvGrpSpPr>
+      <p:grpSpPr>
+        <a:xfrm>
+          <a:off x="0" y="0"/>
+          <a:ext cx="0" cy="0"/>
+          <a:chOff x="0" y="0"/>
+          <a:chExt cx="0" cy="0"/>
+        </a:xfrm>
+      </p:grpSpPr>
+      <p:sp>
+        <p:nvSpPr>
           <p:cNvPr id="3" name="Content Placeholder 2">
             <a:extLst>
               <a:ext uri="{FF2B5EF4-FFF2-40B4-BE49-F238E27FC236}">
-                <a16:creationId xmlns:a16="http://schemas.microsoft.com/office/drawing/2014/main" xmlns="" id="{A6638FD1-D00E-E75B-705C-564F06D93D7B}"/>
+                <a16:creationId xmlns="" xmlns:a16="http://schemas.microsoft.com/office/drawing/2014/main" id="{A6638FD1-D00E-E75B-705C-564F06D93D7B}"/>
               </a:ext>
             </a:extLst>
           </p:cNvPr>
@@ -6626,7 +6798,7 @@
           <p:cNvPr id="5" name="Title 4">
             <a:extLst>
               <a:ext uri="{FF2B5EF4-FFF2-40B4-BE49-F238E27FC236}">
-                <a16:creationId xmlns:a16="http://schemas.microsoft.com/office/drawing/2014/main" xmlns="" id="{3F968F13-9AC4-7120-7ACD-9F752C767D5D}"/>
+                <a16:creationId xmlns="" xmlns:a16="http://schemas.microsoft.com/office/drawing/2014/main" id="{3F968F13-9AC4-7120-7ACD-9F752C767D5D}"/>
               </a:ext>
             </a:extLst>
           </p:cNvPr>
@@ -6743,7 +6915,7 @@
     </p:spTree>
     <p:extLst>
       <p:ext uri="{BB962C8B-B14F-4D97-AF65-F5344CB8AC3E}">
-        <p14:creationId xmlns:p14="http://schemas.microsoft.com/office/powerpoint/2010/main" xmlns="" val="614882681"/>
+        <p14:creationId xmlns="" xmlns:p14="http://schemas.microsoft.com/office/powerpoint/2010/main" val="614882681"/>
       </p:ext>
     </p:extLst>
   </p:cSld>
@@ -6753,7 +6925,7 @@
 </p:sld>
 </file>
 
-<file path=ppt/slides/slide15.xml><?xml version="1.0" encoding="utf-8"?>
+<file path=ppt/slides/slide17.xml><?xml version="1.0" encoding="utf-8"?>
 <p:sld xmlns:a="http://schemas.openxmlformats.org/drawingml/2006/main" xmlns:r="http://schemas.openxmlformats.org/officeDocument/2006/relationships" xmlns:p="http://schemas.openxmlformats.org/presentationml/2006/main">
   <p:cSld>
     <p:spTree>
@@ -6775,7 +6947,7 @@
           <p:cNvPr id="5" name="Title 4">
             <a:extLst>
               <a:ext uri="{FF2B5EF4-FFF2-40B4-BE49-F238E27FC236}">
-                <a16:creationId xmlns:a16="http://schemas.microsoft.com/office/drawing/2014/main" xmlns="" id="{8FBA75B4-2DD5-42EB-9397-F36BFB8BA723}"/>
+                <a16:creationId xmlns="" xmlns:a16="http://schemas.microsoft.com/office/drawing/2014/main" id="{8FBA75B4-2DD5-42EB-9397-F36BFB8BA723}"/>
               </a:ext>
             </a:extLst>
           </p:cNvPr>
@@ -6817,7 +6989,7 @@
           <p:cNvPr id="2" name="Content Placeholder 1">
             <a:extLst>
               <a:ext uri="{FF2B5EF4-FFF2-40B4-BE49-F238E27FC236}">
-                <a16:creationId xmlns:a16="http://schemas.microsoft.com/office/drawing/2014/main" xmlns="" id="{357C38BC-22B3-37B2-E0C3-812020A76077}"/>
+                <a16:creationId xmlns="" xmlns:a16="http://schemas.microsoft.com/office/drawing/2014/main" id="{357C38BC-22B3-37B2-E0C3-812020A76077}"/>
               </a:ext>
             </a:extLst>
           </p:cNvPr>
@@ -6838,11 +7010,7 @@
             <a:pPr marL="305435" indent="-305435"/>
             <a:r>
               <a:rPr lang="en-US" sz="2800" dirty="0" smtClean="0"/>
-              <a:t>Implementing </a:t>
-            </a:r>
-            <a:r>
-              <a:rPr lang="en-US" sz="2800" dirty="0" smtClean="0"/>
-              <a:t>comprehensive anti-</a:t>
+              <a:t>Implementing comprehensive anti-</a:t>
             </a:r>
             <a:r>
               <a:rPr lang="en-US" sz="2800" dirty="0" err="1" smtClean="0"/>
@@ -6885,7 +7053,7 @@
     </p:spTree>
     <p:extLst>
       <p:ext uri="{BB962C8B-B14F-4D97-AF65-F5344CB8AC3E}">
-        <p14:creationId xmlns:p14="http://schemas.microsoft.com/office/powerpoint/2010/main" xmlns="" val="728950222"/>
+        <p14:creationId xmlns="" xmlns:p14="http://schemas.microsoft.com/office/powerpoint/2010/main" val="728950222"/>
       </p:ext>
     </p:extLst>
   </p:cSld>
@@ -6895,7 +7063,7 @@
 </p:sld>
 </file>
 
-<file path=ppt/slides/slide16.xml><?xml version="1.0" encoding="utf-8"?>
+<file path=ppt/slides/slide18.xml><?xml version="1.0" encoding="utf-8"?>
 <p:sld xmlns:a="http://schemas.openxmlformats.org/drawingml/2006/main" xmlns:r="http://schemas.openxmlformats.org/officeDocument/2006/relationships" xmlns:p="http://schemas.openxmlformats.org/presentationml/2006/main">
   <p:cSld>
     <p:spTree>
@@ -6917,7 +7085,7 @@
           <p:cNvPr id="5" name="Title 4">
             <a:extLst>
               <a:ext uri="{FF2B5EF4-FFF2-40B4-BE49-F238E27FC236}">
-                <a16:creationId xmlns:a16="http://schemas.microsoft.com/office/drawing/2014/main" xmlns="" id="{8BE4CA82-64EC-4D4E-A5E5-3EBB66E7B24C}"/>
+                <a16:creationId xmlns="" xmlns:a16="http://schemas.microsoft.com/office/drawing/2014/main" id="{8BE4CA82-64EC-4D4E-A5E5-3EBB66E7B24C}"/>
               </a:ext>
             </a:extLst>
           </p:cNvPr>
@@ -6957,7 +7125,7 @@
     </p:spTree>
     <p:extLst>
       <p:ext uri="{BB962C8B-B14F-4D97-AF65-F5344CB8AC3E}">
-        <p14:creationId xmlns:p14="http://schemas.microsoft.com/office/powerpoint/2010/main" xmlns="" val="4066255318"/>
+        <p14:creationId xmlns="" xmlns:p14="http://schemas.microsoft.com/office/powerpoint/2010/main" val="4066255318"/>
       </p:ext>
     </p:extLst>
   </p:cSld>
@@ -6989,7 +7157,7 @@
           <p:cNvPr id="2" name="Title 1">
             <a:extLst>
               <a:ext uri="{FF2B5EF4-FFF2-40B4-BE49-F238E27FC236}">
-                <a16:creationId xmlns:a16="http://schemas.microsoft.com/office/drawing/2014/main" xmlns="" id="{49FFEB4C-F209-4AE7-AA2B-B3C26CE2C51D}"/>
+                <a16:creationId xmlns="" xmlns:a16="http://schemas.microsoft.com/office/drawing/2014/main" id="{49FFEB4C-F209-4AE7-AA2B-B3C26CE2C51D}"/>
               </a:ext>
             </a:extLst>
           </p:cNvPr>
@@ -7028,7 +7196,7 @@
           <p:cNvPr id="3" name="Content Placeholder 2">
             <a:extLst>
               <a:ext uri="{FF2B5EF4-FFF2-40B4-BE49-F238E27FC236}">
-                <a16:creationId xmlns:a16="http://schemas.microsoft.com/office/drawing/2014/main" xmlns="" id="{B2678641-EEA3-4EC4-BF39-4075B0C120E8}"/>
+                <a16:creationId xmlns="" xmlns:a16="http://schemas.microsoft.com/office/drawing/2014/main" id="{B2678641-EEA3-4EC4-BF39-4075B0C120E8}"/>
               </a:ext>
             </a:extLst>
           </p:cNvPr>
@@ -7213,7 +7381,7 @@
     </p:spTree>
     <p:extLst>
       <p:ext uri="{BB962C8B-B14F-4D97-AF65-F5344CB8AC3E}">
-        <p14:creationId xmlns:p14="http://schemas.microsoft.com/office/powerpoint/2010/main" xmlns="" val="2900153716"/>
+        <p14:creationId xmlns="" xmlns:p14="http://schemas.microsoft.com/office/powerpoint/2010/main" val="2900153716"/>
       </p:ext>
     </p:extLst>
   </p:cSld>
@@ -7245,7 +7413,7 @@
           <p:cNvPr id="5" name="Title 4">
             <a:extLst>
               <a:ext uri="{FF2B5EF4-FFF2-40B4-BE49-F238E27FC236}">
-                <a16:creationId xmlns:a16="http://schemas.microsoft.com/office/drawing/2014/main" xmlns="" id="{8FBA75B4-2DD5-42EB-9397-F36BFB8BA723}"/>
+                <a16:creationId xmlns="" xmlns:a16="http://schemas.microsoft.com/office/drawing/2014/main" id="{8FBA75B4-2DD5-42EB-9397-F36BFB8BA723}"/>
               </a:ext>
             </a:extLst>
           </p:cNvPr>
@@ -7286,7 +7454,7 @@
           <p:cNvPr id="2" name="Content Placeholder 1">
             <a:extLst>
               <a:ext uri="{FF2B5EF4-FFF2-40B4-BE49-F238E27FC236}">
-                <a16:creationId xmlns:a16="http://schemas.microsoft.com/office/drawing/2014/main" xmlns="" id="{8FEE4A9C-3F57-7DA7-91FD-715C3FB47F93}"/>
+                <a16:creationId xmlns="" xmlns:a16="http://schemas.microsoft.com/office/drawing/2014/main" id="{8FEE4A9C-3F57-7DA7-91FD-715C3FB47F93}"/>
               </a:ext>
             </a:extLst>
           </p:cNvPr>
@@ -7347,7 +7515,7 @@
     </p:spTree>
     <p:extLst>
       <p:ext uri="{BB962C8B-B14F-4D97-AF65-F5344CB8AC3E}">
-        <p14:creationId xmlns:p14="http://schemas.microsoft.com/office/powerpoint/2010/main" xmlns="" val="1186421160"/>
+        <p14:creationId xmlns="" xmlns:p14="http://schemas.microsoft.com/office/powerpoint/2010/main" val="1186421160"/>
       </p:ext>
     </p:extLst>
   </p:cSld>
@@ -7379,7 +7547,7 @@
           <p:cNvPr id="5" name="Title 4">
             <a:extLst>
               <a:ext uri="{FF2B5EF4-FFF2-40B4-BE49-F238E27FC236}">
-                <a16:creationId xmlns:a16="http://schemas.microsoft.com/office/drawing/2014/main" xmlns="" id="{8FBA75B4-2DD5-42EB-9397-F36BFB8BA723}"/>
+                <a16:creationId xmlns="" xmlns:a16="http://schemas.microsoft.com/office/drawing/2014/main" id="{8FBA75B4-2DD5-42EB-9397-F36BFB8BA723}"/>
               </a:ext>
             </a:extLst>
           </p:cNvPr>
@@ -7425,7 +7593,7 @@
           <p:cNvPr id="2" name="Content Placeholder 1">
             <a:extLst>
               <a:ext uri="{FF2B5EF4-FFF2-40B4-BE49-F238E27FC236}">
-                <a16:creationId xmlns:a16="http://schemas.microsoft.com/office/drawing/2014/main" xmlns="" id="{E041FD9D-DF07-9C37-1E61-1D920E0EF1D4}"/>
+                <a16:creationId xmlns="" xmlns:a16="http://schemas.microsoft.com/office/drawing/2014/main" id="{E041FD9D-DF07-9C37-1E61-1D920E0EF1D4}"/>
               </a:ext>
             </a:extLst>
           </p:cNvPr>
@@ -7454,11 +7622,7 @@
             </a:r>
             <a:r>
               <a:rPr lang="en-US" sz="3200" dirty="0" smtClean="0"/>
-              <a:t> </a:t>
-            </a:r>
-            <a:r>
-              <a:rPr lang="en-US" sz="3200" dirty="0" smtClean="0"/>
-              <a:t>are indeed a significant concern in today's digital age. To protect yourself and your organization from </a:t>
+              <a:t> are indeed a significant concern in today's digital age. To protect yourself and your organization from </a:t>
             </a:r>
             <a:r>
               <a:rPr lang="en-US" sz="3200" dirty="0" err="1" smtClean="0"/>
@@ -7466,11 +7630,7 @@
             </a:r>
             <a:r>
               <a:rPr lang="en-US" sz="3200" dirty="0" smtClean="0"/>
-              <a:t>, here are some solutions and best practices to consider</a:t>
-            </a:r>
-            <a:r>
-              <a:rPr lang="en-US" sz="3200" dirty="0" smtClean="0"/>
-              <a:t>:</a:t>
+              <a:t>, here are some solutions and best practices to consider:</a:t>
             </a:r>
           </a:p>
           <a:p>
@@ -7512,7 +7672,7 @@
     </p:spTree>
     <p:extLst>
       <p:ext uri="{BB962C8B-B14F-4D97-AF65-F5344CB8AC3E}">
-        <p14:creationId xmlns:p14="http://schemas.microsoft.com/office/powerpoint/2010/main" xmlns="" val="3210358481"/>
+        <p14:creationId xmlns="" xmlns:p14="http://schemas.microsoft.com/office/powerpoint/2010/main" val="3210358481"/>
       </p:ext>
     </p:extLst>
   </p:cSld>
@@ -7578,11 +7738,7 @@
             </a:r>
             <a:r>
               <a:rPr lang="en-US" sz="2800" dirty="0" smtClean="0"/>
-              <a:t> can exploit</a:t>
-            </a:r>
-            <a:r>
-              <a:rPr lang="en-US" sz="2800" dirty="0" smtClean="0"/>
-              <a:t>.</a:t>
+              <a:t> can exploit.</a:t>
             </a:r>
           </a:p>
           <a:p>
@@ -7680,11 +7836,7 @@
             </a:r>
             <a:r>
               <a:rPr lang="en-US" sz="2800" dirty="0" smtClean="0"/>
-              <a:t>, in addition to your password</a:t>
-            </a:r>
-            <a:r>
-              <a:rPr lang="en-US" sz="2800" dirty="0" smtClean="0"/>
-              <a:t>.</a:t>
+              <a:t>, in addition to your password.</a:t>
             </a:r>
           </a:p>
           <a:p>
@@ -7774,11 +7926,7 @@
             </a:r>
             <a:r>
               <a:rPr lang="en-US" sz="2800" dirty="0" smtClean="0"/>
-              <a:t>Keep a close eye on your financial accounts and credit reports for any suspicious activity. Report any unauthorized transactions immediately</a:t>
-            </a:r>
-            <a:r>
-              <a:rPr lang="en-US" sz="2800" dirty="0" smtClean="0"/>
-              <a:t>.</a:t>
+              <a:t>Keep a close eye on your financial accounts and credit reports for any suspicious activity. Report any unauthorized transactions immediately.</a:t>
             </a:r>
           </a:p>
           <a:p>
@@ -7896,11 +8044,7 @@
             </a:r>
             <a:r>
               <a:rPr lang="en-US" sz="2800" dirty="0" smtClean="0"/>
-              <a:t> threats and educate yourself and your organization on best practices for staying safe online. Training programs and workshops can help raise awareness and promote safe online practices</a:t>
-            </a:r>
-            <a:r>
-              <a:rPr lang="en-US" sz="2800" dirty="0" smtClean="0"/>
-              <a:t>.</a:t>
+              <a:t> threats and educate yourself and your organization on best practices for staying safe online. Training programs and workshops can help raise awareness and promote safe online practices.</a:t>
             </a:r>
           </a:p>
           <a:p>
@@ -7963,7 +8107,7 @@
           <p:cNvPr id="5" name="Title 4">
             <a:extLst>
               <a:ext uri="{FF2B5EF4-FFF2-40B4-BE49-F238E27FC236}">
-                <a16:creationId xmlns:a16="http://schemas.microsoft.com/office/drawing/2014/main" xmlns="" id="{8FBA75B4-2DD5-42EB-9397-F36BFB8BA723}"/>
+                <a16:creationId xmlns="" xmlns:a16="http://schemas.microsoft.com/office/drawing/2014/main" id="{8FBA75B4-2DD5-42EB-9397-F36BFB8BA723}"/>
               </a:ext>
             </a:extLst>
           </p:cNvPr>
@@ -8012,7 +8156,7 @@
           <p:cNvPr id="2" name="Content Placeholder 1">
             <a:extLst>
               <a:ext uri="{FF2B5EF4-FFF2-40B4-BE49-F238E27FC236}">
-                <a16:creationId xmlns:a16="http://schemas.microsoft.com/office/drawing/2014/main" xmlns="" id="{C4FFAF3C-BA60-9181-132C-C36C403AAEA7}"/>
+                <a16:creationId xmlns="" xmlns:a16="http://schemas.microsoft.com/office/drawing/2014/main" id="{C4FFAF3C-BA60-9181-132C-C36C403AAEA7}"/>
               </a:ext>
             </a:extLst>
           </p:cNvPr>
@@ -8059,65 +8203,35 @@
             <a:pPr marL="0" indent="0"/>
             <a:r>
               <a:rPr lang="en-US" sz="2000" b="1" dirty="0" smtClean="0"/>
-              <a:t>Secure Network </a:t>
-            </a:r>
+              <a:t>Secure Network Infrastructure</a:t>
+            </a:r>
+          </a:p>
+          <a:p>
+            <a:pPr marL="0" indent="0"/>
             <a:r>
               <a:rPr lang="en-US" sz="2000" b="1" dirty="0" smtClean="0"/>
-              <a:t>Infrastructure</a:t>
-            </a:r>
-            <a:endParaRPr lang="en-US" sz="2000" b="1" dirty="0" smtClean="0"/>
+              <a:t>Endpoint Protection</a:t>
+            </a:r>
           </a:p>
           <a:p>
             <a:pPr marL="0" indent="0"/>
             <a:r>
               <a:rPr lang="en-US" sz="2000" b="1" dirty="0" smtClean="0"/>
-              <a:t>Endpoint </a:t>
-            </a:r>
+              <a:t>Privilege Management</a:t>
+            </a:r>
+          </a:p>
+          <a:p>
+            <a:pPr marL="0" indent="0"/>
             <a:r>
               <a:rPr lang="en-US" sz="2000" b="1" dirty="0" smtClean="0"/>
-              <a:t>Protection</a:t>
-            </a:r>
-            <a:endParaRPr lang="en-US" sz="2000" b="1" dirty="0" smtClean="0"/>
+              <a:t>Centralized Logging and Monitoring</a:t>
+            </a:r>
           </a:p>
           <a:p>
             <a:pPr marL="0" indent="0"/>
             <a:r>
               <a:rPr lang="en-US" sz="2000" b="1" dirty="0" smtClean="0"/>
-              <a:t>Privilege </a:t>
-            </a:r>
-            <a:r>
-              <a:rPr lang="en-US" sz="2000" b="1" dirty="0" smtClean="0"/>
-              <a:t>Management</a:t>
-            </a:r>
-          </a:p>
-          <a:p>
-            <a:pPr marL="0" indent="0"/>
-            <a:r>
-              <a:rPr lang="en-US" sz="2000" b="1" dirty="0" smtClean="0"/>
-              <a:t>Centralized </a:t>
-            </a:r>
-            <a:r>
-              <a:rPr lang="en-US" sz="2000" b="1" dirty="0" smtClean="0"/>
-              <a:t>Logging </a:t>
-            </a:r>
-            <a:r>
-              <a:rPr lang="en-US" sz="2000" b="1" dirty="0" smtClean="0"/>
-              <a:t>and </a:t>
-            </a:r>
-            <a:r>
-              <a:rPr lang="en-US" sz="2000" b="1" dirty="0" smtClean="0"/>
-              <a:t>Monitoring</a:t>
-            </a:r>
-          </a:p>
-          <a:p>
-            <a:pPr marL="0" indent="0"/>
-            <a:r>
-              <a:rPr lang="en-US" sz="2000" b="1" dirty="0" smtClean="0"/>
-              <a:t>Patch </a:t>
-            </a:r>
-            <a:r>
-              <a:rPr lang="en-US" sz="2000" b="1" dirty="0" smtClean="0"/>
-              <a:t>Management</a:t>
+              <a:t>Patch Management</a:t>
             </a:r>
             <a:endParaRPr lang="en-US" sz="2000" b="1" dirty="0"/>
           </a:p>
@@ -8126,7 +8240,7 @@
     </p:spTree>
     <p:extLst>
       <p:ext uri="{BB962C8B-B14F-4D97-AF65-F5344CB8AC3E}">
-        <p14:creationId xmlns:p14="http://schemas.microsoft.com/office/powerpoint/2010/main" xmlns="" val="3202024527"/>
+        <p14:creationId xmlns="" xmlns:p14="http://schemas.microsoft.com/office/powerpoint/2010/main" val="3202024527"/>
       </p:ext>
     </p:extLst>
   </p:cSld>
@@ -8718,13 +8832,31 @@
   <a:extraClrSchemeLst/>
   <a:extLst>
     <a:ext uri="{05A4C25C-085E-4340-85A3-A5531E510DB2}">
-      <thm15:themeFamily xmlns:thm15="http://schemas.microsoft.com/office/thememl/2012/main" xmlns="" name="Office Theme" id="{62F939B6-93AF-4DB8-9C6B-D6C7DFDC589F}" vid="{4A3C46E8-61CC-4603-A589-7422A47A8E4A}"/>
+      <thm15:themeFamily xmlns="" xmlns:thm15="http://schemas.microsoft.com/office/thememl/2012/main" name="Office Theme" id="{62F939B6-93AF-4DB8-9C6B-D6C7DFDC589F}" vid="{4A3C46E8-61CC-4603-A589-7422A47A8E4A}"/>
     </a:ext>
   </a:extLst>
 </a:theme>
 </file>
 
 <file path=customXml/item1.xml><?xml version="1.0" encoding="utf-8"?>
+<p:properties xmlns:p="http://schemas.microsoft.com/office/2006/metadata/properties" xmlns:xsi="http://www.w3.org/2001/XMLSchema-instance" xmlns:pc="http://schemas.microsoft.com/office/infopath/2007/PartnerControls">
+  <documentManagement>
+    <MediaServiceKeyPoints xmlns="9162bd5b-4ed9-4da3-b376-05204580ba3f" xsi:nil="true"/>
+    <_activity xmlns="9162bd5b-4ed9-4da3-b376-05204580ba3f" xsi:nil="true"/>
+  </documentManagement>
+</p:properties>
+</file>
+
+<file path=customXml/item2.xml><?xml version="1.0" encoding="utf-8"?>
+<?mso-contentType ?>
+<FormTemplates xmlns="http://schemas.microsoft.com/sharepoint/v3/contenttype/forms">
+  <Display>DocumentLibraryForm</Display>
+  <Edit>DocumentLibraryForm</Edit>
+  <New>DocumentLibraryForm</New>
+</FormTemplates>
+</file>
+
+<file path=customXml/item3.xml><?xml version="1.0" encoding="utf-8"?>
 <ct:contentTypeSchema xmlns:ct="http://schemas.microsoft.com/office/2006/metadata/contentType" xmlns:ma="http://schemas.microsoft.com/office/2006/metadata/properties/metaAttributes" ct:_="" ma:_="" ma:contentTypeName="Document" ma:contentTypeID="0x0101000F1872188ABCFC48BECA6C87E8AC3285" ma:contentTypeVersion="17" ma:contentTypeDescription="Create a new document." ma:contentTypeScope="" ma:versionID="55a158675e089c6a85ab0f83b89e1a15">
   <xsd:schema xmlns:xsd="http://www.w3.org/2001/XMLSchema" xmlns:xs="http://www.w3.org/2001/XMLSchema" xmlns:p="http://schemas.microsoft.com/office/2006/metadata/properties" xmlns:ns3="9162bd5b-4ed9-4da3-b376-05204580ba3f" xmlns:ns4="c0fa2617-96bd-425d-8578-e93563fe37c5" targetNamespace="http://schemas.microsoft.com/office/2006/metadata/properties" ma:root="true" ma:fieldsID="b35f082308864fa161c4a0a9eca35eff" ns3:_="" ns4:_="">
     <xsd:import namespace="9162bd5b-4ed9-4da3-b376-05204580ba3f"/>
@@ -8971,25 +9103,32 @@
 </ct:contentTypeSchema>
 </file>
 
-<file path=customXml/item2.xml><?xml version="1.0" encoding="utf-8"?>
-<?mso-contentType ?>
-<FormTemplates xmlns="http://schemas.microsoft.com/sharepoint/v3/contenttype/forms">
-  <Display>DocumentLibraryForm</Display>
-  <Edit>DocumentLibraryForm</Edit>
-  <New>DocumentLibraryForm</New>
-</FormTemplates>
+<file path=customXml/itemProps1.xml><?xml version="1.0" encoding="utf-8"?>
+<ds:datastoreItem xmlns:ds="http://schemas.openxmlformats.org/officeDocument/2006/customXml" ds:itemID="{8D289AE2-D2AE-49D1-AFAC-3A79F6794255}">
+  <ds:schemaRefs>
+    <ds:schemaRef ds:uri="9162bd5b-4ed9-4da3-b376-05204580ba3f"/>
+    <ds:schemaRef ds:uri="c0fa2617-96bd-425d-8578-e93563fe37c5"/>
+    <ds:schemaRef ds:uri="http://purl.org/dc/dcmitype/"/>
+    <ds:schemaRef ds:uri="http://purl.org/dc/elements/1.1/"/>
+    <ds:schemaRef ds:uri="http://purl.org/dc/terms/"/>
+    <ds:schemaRef ds:uri="http://schemas.microsoft.com/office/2006/documentManagement/types"/>
+    <ds:schemaRef ds:uri="http://schemas.microsoft.com/office/2006/metadata/properties"/>
+    <ds:schemaRef ds:uri="http://schemas.microsoft.com/office/infopath/2007/PartnerControls"/>
+    <ds:schemaRef ds:uri="http://schemas.openxmlformats.org/package/2006/metadata/core-properties"/>
+    <ds:schemaRef ds:uri="http://www.w3.org/XML/1998/namespace"/>
+  </ds:schemaRefs>
+</ds:datastoreItem>
 </file>
 
-<file path=customXml/item3.xml><?xml version="1.0" encoding="utf-8"?>
-<p:properties xmlns:p="http://schemas.microsoft.com/office/2006/metadata/properties" xmlns:xsi="http://www.w3.org/2001/XMLSchema-instance" xmlns:pc="http://schemas.microsoft.com/office/infopath/2007/PartnerControls">
-  <documentManagement>
-    <MediaServiceKeyPoints xmlns="9162bd5b-4ed9-4da3-b376-05204580ba3f" xsi:nil="true"/>
-    <_activity xmlns="9162bd5b-4ed9-4da3-b376-05204580ba3f" xsi:nil="true"/>
-  </documentManagement>
-</p:properties>
+<file path=customXml/itemProps2.xml><?xml version="1.0" encoding="utf-8"?>
+<ds:datastoreItem xmlns:ds="http://schemas.openxmlformats.org/officeDocument/2006/customXml" ds:itemID="{927BD4C1-B6B1-4715-ABF9-E660A51A4EA0}">
+  <ds:schemaRefs>
+    <ds:schemaRef ds:uri="http://schemas.microsoft.com/sharepoint/v3/contenttype/forms"/>
+  </ds:schemaRefs>
+</ds:datastoreItem>
 </file>
 
-<file path=customXml/itemProps1.xml><?xml version="1.0" encoding="utf-8"?>
+<file path=customXml/itemProps3.xml><?xml version="1.0" encoding="utf-8"?>
 <ds:datastoreItem xmlns:ds="http://schemas.openxmlformats.org/officeDocument/2006/customXml" ds:itemID="{6E816721-11E4-4989-8472-AB5A7EC20404}">
   <ds:schemaRefs>
     <ds:schemaRef ds:uri="9162bd5b-4ed9-4da3-b376-05204580ba3f"/>
@@ -9006,29 +9145,4 @@
     <ds:schemaRef ds:uri="http://www.w3.org/2001/XMLSchema"/>
   </ds:schemaRefs>
 </ds:datastoreItem>
-</file>
-
-<file path=customXml/itemProps2.xml><?xml version="1.0" encoding="utf-8"?>
-<ds:datastoreItem xmlns:ds="http://schemas.openxmlformats.org/officeDocument/2006/customXml" ds:itemID="{927BD4C1-B6B1-4715-ABF9-E660A51A4EA0}">
-  <ds:schemaRefs>
-    <ds:schemaRef ds:uri="http://schemas.microsoft.com/sharepoint/v3/contenttype/forms"/>
-  </ds:schemaRefs>
-</ds:datastoreItem>
-</file>
-
-<file path=customXml/itemProps3.xml><?xml version="1.0" encoding="utf-8"?>
-<ds:datastoreItem xmlns:ds="http://schemas.openxmlformats.org/officeDocument/2006/customXml" ds:itemID="{8D289AE2-D2AE-49D1-AFAC-3A79F6794255}">
-  <ds:schemaRefs>
-    <ds:schemaRef ds:uri="9162bd5b-4ed9-4da3-b376-05204580ba3f"/>
-    <ds:schemaRef ds:uri="c0fa2617-96bd-425d-8578-e93563fe37c5"/>
-    <ds:schemaRef ds:uri="http://purl.org/dc/dcmitype/"/>
-    <ds:schemaRef ds:uri="http://purl.org/dc/elements/1.1/"/>
-    <ds:schemaRef ds:uri="http://purl.org/dc/terms/"/>
-    <ds:schemaRef ds:uri="http://schemas.microsoft.com/office/2006/documentManagement/types"/>
-    <ds:schemaRef ds:uri="http://schemas.microsoft.com/office/2006/metadata/properties"/>
-    <ds:schemaRef ds:uri="http://schemas.microsoft.com/office/infopath/2007/PartnerControls"/>
-    <ds:schemaRef ds:uri="http://schemas.openxmlformats.org/package/2006/metadata/core-properties"/>
-    <ds:schemaRef ds:uri="http://www.w3.org/XML/1998/namespace"/>
-  </ds:schemaRefs>
-</ds:datastoreItem>
 </file>